--- a/results/Results.pptx
+++ b/results/Results.pptx
@@ -106,6 +106,11 @@
       </a:defRPr>
     </a:lvl9pPr>
   </p:defaultTextStyle>
+  <p:extLst>
+    <p:ext uri="{EFAFB233-063F-42B5-8137-9DF3F51BA10A}">
+      <p15:sldGuideLst xmlns:p15="http://schemas.microsoft.com/office/powerpoint/2012/main"/>
+    </p:ext>
+  </p:extLst>
 </p:presentation>
 </file>
 
@@ -258,7 +263,7 @@
           <a:p>
             <a:fld id="{D5515867-F41A-C84E-9124-9CCD4AB1BFDA}" type="datetimeFigureOut">
               <a:rPr lang="en-US" smtClean="0"/>
-              <a:t>12/12/22</a:t>
+              <a:t>12/18/22</a:t>
             </a:fld>
             <a:endParaRPr lang="en-US"/>
           </a:p>
@@ -458,7 +463,7 @@
           <a:p>
             <a:fld id="{D5515867-F41A-C84E-9124-9CCD4AB1BFDA}" type="datetimeFigureOut">
               <a:rPr lang="en-US" smtClean="0"/>
-              <a:t>12/12/22</a:t>
+              <a:t>12/18/22</a:t>
             </a:fld>
             <a:endParaRPr lang="en-US"/>
           </a:p>
@@ -668,7 +673,7 @@
           <a:p>
             <a:fld id="{D5515867-F41A-C84E-9124-9CCD4AB1BFDA}" type="datetimeFigureOut">
               <a:rPr lang="en-US" smtClean="0"/>
-              <a:t>12/12/22</a:t>
+              <a:t>12/18/22</a:t>
             </a:fld>
             <a:endParaRPr lang="en-US"/>
           </a:p>
@@ -868,7 +873,7 @@
           <a:p>
             <a:fld id="{D5515867-F41A-C84E-9124-9CCD4AB1BFDA}" type="datetimeFigureOut">
               <a:rPr lang="en-US" smtClean="0"/>
-              <a:t>12/12/22</a:t>
+              <a:t>12/18/22</a:t>
             </a:fld>
             <a:endParaRPr lang="en-US"/>
           </a:p>
@@ -1144,7 +1149,7 @@
           <a:p>
             <a:fld id="{D5515867-F41A-C84E-9124-9CCD4AB1BFDA}" type="datetimeFigureOut">
               <a:rPr lang="en-US" smtClean="0"/>
-              <a:t>12/12/22</a:t>
+              <a:t>12/18/22</a:t>
             </a:fld>
             <a:endParaRPr lang="en-US"/>
           </a:p>
@@ -1412,7 +1417,7 @@
           <a:p>
             <a:fld id="{D5515867-F41A-C84E-9124-9CCD4AB1BFDA}" type="datetimeFigureOut">
               <a:rPr lang="en-US" smtClean="0"/>
-              <a:t>12/12/22</a:t>
+              <a:t>12/18/22</a:t>
             </a:fld>
             <a:endParaRPr lang="en-US"/>
           </a:p>
@@ -1827,7 +1832,7 @@
           <a:p>
             <a:fld id="{D5515867-F41A-C84E-9124-9CCD4AB1BFDA}" type="datetimeFigureOut">
               <a:rPr lang="en-US" smtClean="0"/>
-              <a:t>12/12/22</a:t>
+              <a:t>12/18/22</a:t>
             </a:fld>
             <a:endParaRPr lang="en-US"/>
           </a:p>
@@ -1969,7 +1974,7 @@
           <a:p>
             <a:fld id="{D5515867-F41A-C84E-9124-9CCD4AB1BFDA}" type="datetimeFigureOut">
               <a:rPr lang="en-US" smtClean="0"/>
-              <a:t>12/12/22</a:t>
+              <a:t>12/18/22</a:t>
             </a:fld>
             <a:endParaRPr lang="en-US"/>
           </a:p>
@@ -2082,7 +2087,7 @@
           <a:p>
             <a:fld id="{D5515867-F41A-C84E-9124-9CCD4AB1BFDA}" type="datetimeFigureOut">
               <a:rPr lang="en-US" smtClean="0"/>
-              <a:t>12/12/22</a:t>
+              <a:t>12/18/22</a:t>
             </a:fld>
             <a:endParaRPr lang="en-US"/>
           </a:p>
@@ -2395,7 +2400,7 @@
           <a:p>
             <a:fld id="{D5515867-F41A-C84E-9124-9CCD4AB1BFDA}" type="datetimeFigureOut">
               <a:rPr lang="en-US" smtClean="0"/>
-              <a:t>12/12/22</a:t>
+              <a:t>12/18/22</a:t>
             </a:fld>
             <a:endParaRPr lang="en-US"/>
           </a:p>
@@ -2684,7 +2689,7 @@
           <a:p>
             <a:fld id="{D5515867-F41A-C84E-9124-9CCD4AB1BFDA}" type="datetimeFigureOut">
               <a:rPr lang="en-US" smtClean="0"/>
-              <a:t>12/12/22</a:t>
+              <a:t>12/18/22</a:t>
             </a:fld>
             <a:endParaRPr lang="en-US"/>
           </a:p>
@@ -2927,7 +2932,7 @@
           <a:p>
             <a:fld id="{D5515867-F41A-C84E-9124-9CCD4AB1BFDA}" type="datetimeFigureOut">
               <a:rPr lang="en-US" smtClean="0"/>
-              <a:t>12/12/22</a:t>
+              <a:t>12/18/22</a:t>
             </a:fld>
             <a:endParaRPr lang="en-US"/>
           </a:p>
@@ -3359,14 +3364,14 @@
           <p:nvPr>
             <p:extLst>
               <p:ext uri="{D42A27DB-BD31-4B8C-83A1-F6EECF244321}">
-                <p14:modId xmlns:p14="http://schemas.microsoft.com/office/powerpoint/2010/main" val="3427913452"/>
+                <p14:modId xmlns:p14="http://schemas.microsoft.com/office/powerpoint/2010/main" val="1401197490"/>
               </p:ext>
             </p:extLst>
           </p:nvPr>
         </p:nvGraphicFramePr>
         <p:xfrm>
           <a:off x="568450" y="673946"/>
-          <a:ext cx="11055100" cy="4114840"/>
+          <a:ext cx="11055100" cy="3740440"/>
         </p:xfrm>
         <a:graphic>
           <a:graphicData uri="http://schemas.openxmlformats.org/drawingml/2006/table">
@@ -3851,95 +3856,122 @@
                     <a:lstStyle/>
                     <a:p>
                       <a:pPr algn="ctr"/>
-                      <a:endParaRPr lang="en-US" dirty="0"/>
-                    </a:p>
-                  </a:txBody>
-                  <a:tcPr anchor="ctr"/>
-                </a:tc>
-                <a:tc>
-                  <a:txBody>
-                    <a:bodyPr/>
-                    <a:lstStyle/>
-                    <a:p>
-                      <a:pPr algn="ctr"/>
-                      <a:endParaRPr lang="en-US" dirty="0"/>
-                    </a:p>
-                  </a:txBody>
-                  <a:tcPr anchor="ctr"/>
-                </a:tc>
-                <a:tc>
-                  <a:txBody>
-                    <a:bodyPr/>
-                    <a:lstStyle/>
-                    <a:p>
-                      <a:pPr algn="ctr"/>
-                      <a:endParaRPr lang="en-US"/>
-                    </a:p>
-                  </a:txBody>
-                  <a:tcPr anchor="ctr"/>
-                </a:tc>
-                <a:tc>
-                  <a:txBody>
-                    <a:bodyPr/>
-                    <a:lstStyle/>
-                    <a:p>
-                      <a:pPr algn="ctr"/>
-                      <a:endParaRPr lang="en-US" dirty="0"/>
-                    </a:p>
-                  </a:txBody>
-                  <a:tcPr anchor="ctr"/>
-                </a:tc>
-                <a:tc>
-                  <a:txBody>
-                    <a:bodyPr/>
-                    <a:lstStyle/>
-                    <a:p>
-                      <a:pPr algn="ctr"/>
-                      <a:endParaRPr lang="en-US"/>
-                    </a:p>
-                  </a:txBody>
-                  <a:tcPr anchor="ctr"/>
-                </a:tc>
-                <a:tc>
-                  <a:txBody>
-                    <a:bodyPr/>
-                    <a:lstStyle/>
-                    <a:p>
-                      <a:pPr algn="ctr"/>
-                      <a:endParaRPr lang="en-US"/>
-                    </a:p>
-                  </a:txBody>
-                  <a:tcPr anchor="ctr"/>
-                </a:tc>
-                <a:tc>
-                  <a:txBody>
-                    <a:bodyPr/>
-                    <a:lstStyle/>
-                    <a:p>
-                      <a:pPr algn="ctr"/>
-                      <a:endParaRPr lang="en-US"/>
-                    </a:p>
-                  </a:txBody>
-                  <a:tcPr anchor="ctr"/>
-                </a:tc>
-                <a:tc>
-                  <a:txBody>
-                    <a:bodyPr/>
-                    <a:lstStyle/>
-                    <a:p>
-                      <a:pPr algn="ctr"/>
-                      <a:endParaRPr lang="en-US"/>
-                    </a:p>
-                  </a:txBody>
-                  <a:tcPr anchor="ctr"/>
-                </a:tc>
-                <a:tc>
-                  <a:txBody>
-                    <a:bodyPr/>
-                    <a:lstStyle/>
-                    <a:p>
-                      <a:pPr algn="ctr"/>
-                      <a:endParaRPr lang="en-US"/>
+                      <a:r>
+                        <a:rPr lang="en-US" dirty="0"/>
+                        <a:t>91.23</a:t>
+                      </a:r>
+                    </a:p>
+                  </a:txBody>
+                  <a:tcPr anchor="ctr"/>
+                </a:tc>
+                <a:tc>
+                  <a:txBody>
+                    <a:bodyPr/>
+                    <a:lstStyle/>
+                    <a:p>
+                      <a:pPr algn="ctr"/>
+                      <a:r>
+                        <a:rPr lang="en-US" dirty="0"/>
+                        <a:t>67.51</a:t>
+                      </a:r>
+                    </a:p>
+                  </a:txBody>
+                  <a:tcPr anchor="ctr"/>
+                </a:tc>
+                <a:tc>
+                  <a:txBody>
+                    <a:bodyPr/>
+                    <a:lstStyle/>
+                    <a:p>
+                      <a:pPr algn="ctr"/>
+                      <a:r>
+                        <a:rPr lang="en-US" dirty="0"/>
+                        <a:t>69.43</a:t>
+                      </a:r>
+                    </a:p>
+                  </a:txBody>
+                  <a:tcPr anchor="ctr"/>
+                </a:tc>
+                <a:tc>
+                  <a:txBody>
+                    <a:bodyPr/>
+                    <a:lstStyle/>
+                    <a:p>
+                      <a:pPr algn="ctr"/>
+                      <a:r>
+                        <a:rPr lang="en-US" dirty="0"/>
+                        <a:t>92.52</a:t>
+                      </a:r>
+                    </a:p>
+                  </a:txBody>
+                  <a:tcPr anchor="ctr"/>
+                </a:tc>
+                <a:tc>
+                  <a:txBody>
+                    <a:bodyPr/>
+                    <a:lstStyle/>
+                    <a:p>
+                      <a:pPr algn="ctr"/>
+                      <a:r>
+                        <a:rPr lang="en-US" dirty="0"/>
+                        <a:t>82.43</a:t>
+                      </a:r>
+                    </a:p>
+                  </a:txBody>
+                  <a:tcPr anchor="ctr"/>
+                </a:tc>
+                <a:tc>
+                  <a:txBody>
+                    <a:bodyPr/>
+                    <a:lstStyle/>
+                    <a:p>
+                      <a:pPr algn="ctr"/>
+                      <a:r>
+                        <a:rPr lang="en-US" dirty="0"/>
+                        <a:t>85.11</a:t>
+                      </a:r>
+                    </a:p>
+                  </a:txBody>
+                  <a:tcPr anchor="ctr"/>
+                </a:tc>
+                <a:tc>
+                  <a:txBody>
+                    <a:bodyPr/>
+                    <a:lstStyle/>
+                    <a:p>
+                      <a:pPr algn="ctr"/>
+                      <a:r>
+                        <a:rPr lang="en-US" dirty="0"/>
+                        <a:t>92.90</a:t>
+                      </a:r>
+                    </a:p>
+                  </a:txBody>
+                  <a:tcPr anchor="ctr"/>
+                </a:tc>
+                <a:tc>
+                  <a:txBody>
+                    <a:bodyPr/>
+                    <a:lstStyle/>
+                    <a:p>
+                      <a:pPr algn="ctr"/>
+                      <a:r>
+                        <a:rPr lang="en-US" dirty="0"/>
+                        <a:t>82.20</a:t>
+                      </a:r>
+                    </a:p>
+                  </a:txBody>
+                  <a:tcPr anchor="ctr"/>
+                </a:tc>
+                <a:tc>
+                  <a:txBody>
+                    <a:bodyPr/>
+                    <a:lstStyle/>
+                    <a:p>
+                      <a:pPr algn="ctr"/>
+                      <a:r>
+                        <a:rPr lang="en-US" dirty="0"/>
+                        <a:t>84.28</a:t>
+                      </a:r>
                     </a:p>
                   </a:txBody>
                   <a:tcPr anchor="ctr"/>
@@ -3959,126 +3991,6 @@
                       <a:pPr algn="l"/>
                       <a:r>
                         <a:rPr lang="en-US" b="1" dirty="0"/>
-                        <a:t>SGD</a:t>
-                      </a:r>
-                    </a:p>
-                  </a:txBody>
-                  <a:tcPr anchor="ctr"/>
-                </a:tc>
-                <a:tc>
-                  <a:txBody>
-                    <a:bodyPr/>
-                    <a:lstStyle/>
-                    <a:p>
-                      <a:pPr algn="ctr"/>
-                      <a:endParaRPr lang="en-US" dirty="0"/>
-                    </a:p>
-                  </a:txBody>
-                  <a:tcPr anchor="ctr"/>
-                </a:tc>
-                <a:tc>
-                  <a:txBody>
-                    <a:bodyPr/>
-                    <a:lstStyle/>
-                    <a:p>
-                      <a:pPr algn="ctr"/>
-                      <a:endParaRPr lang="en-US"/>
-                    </a:p>
-                  </a:txBody>
-                  <a:tcPr anchor="ctr"/>
-                </a:tc>
-                <a:tc>
-                  <a:txBody>
-                    <a:bodyPr/>
-                    <a:lstStyle/>
-                    <a:p>
-                      <a:pPr algn="ctr"/>
-                      <a:endParaRPr lang="en-US"/>
-                    </a:p>
-                  </a:txBody>
-                  <a:tcPr anchor="ctr"/>
-                </a:tc>
-                <a:tc>
-                  <a:txBody>
-                    <a:bodyPr/>
-                    <a:lstStyle/>
-                    <a:p>
-                      <a:pPr algn="ctr"/>
-                      <a:endParaRPr lang="en-US"/>
-                    </a:p>
-                  </a:txBody>
-                  <a:tcPr anchor="ctr"/>
-                </a:tc>
-                <a:tc>
-                  <a:txBody>
-                    <a:bodyPr/>
-                    <a:lstStyle/>
-                    <a:p>
-                      <a:pPr algn="ctr"/>
-                      <a:endParaRPr lang="en-US"/>
-                    </a:p>
-                  </a:txBody>
-                  <a:tcPr anchor="ctr"/>
-                </a:tc>
-                <a:tc>
-                  <a:txBody>
-                    <a:bodyPr/>
-                    <a:lstStyle/>
-                    <a:p>
-                      <a:pPr algn="ctr"/>
-                      <a:endParaRPr lang="en-US"/>
-                    </a:p>
-                  </a:txBody>
-                  <a:tcPr anchor="ctr"/>
-                </a:tc>
-                <a:tc>
-                  <a:txBody>
-                    <a:bodyPr/>
-                    <a:lstStyle/>
-                    <a:p>
-                      <a:pPr algn="ctr"/>
-                      <a:endParaRPr lang="en-US" dirty="0"/>
-                    </a:p>
-                  </a:txBody>
-                  <a:tcPr anchor="ctr"/>
-                </a:tc>
-                <a:tc>
-                  <a:txBody>
-                    <a:bodyPr/>
-                    <a:lstStyle/>
-                    <a:p>
-                      <a:pPr algn="ctr"/>
-                      <a:endParaRPr lang="en-US"/>
-                    </a:p>
-                  </a:txBody>
-                  <a:tcPr anchor="ctr"/>
-                </a:tc>
-                <a:tc>
-                  <a:txBody>
-                    <a:bodyPr/>
-                    <a:lstStyle/>
-                    <a:p>
-                      <a:pPr algn="ctr"/>
-                      <a:endParaRPr lang="en-US"/>
-                    </a:p>
-                  </a:txBody>
-                  <a:tcPr anchor="ctr"/>
-                </a:tc>
-                <a:extLst>
-                  <a:ext uri="{0D108BD9-81ED-4DB2-BD59-A6C34878D82A}">
-                    <a16:rowId xmlns:a16="http://schemas.microsoft.com/office/drawing/2014/main" val="2602396067"/>
-                  </a:ext>
-                </a:extLst>
-              </a:tr>
-              <a:tr h="374400">
-                <a:tc>
-                  <a:txBody>
-                    <a:bodyPr/>
-                    <a:lstStyle/>
-                    <a:p>
-                      <a:pPr algn="l"/>
-                      <a:r>
-                        <a:rPr lang="en-US" b="1" dirty="0"/>
                         <a:t>ALBERT-base-v2</a:t>
                       </a:r>
                     </a:p>
@@ -4830,7 +4742,7 @@
                     <a:p>
                       <a:pPr algn="ctr"/>
                       <a:r>
-                        <a:rPr lang="en-US" dirty="0"/>
+                        <a:rPr lang="en-US" b="1" dirty="0"/>
                         <a:t>97.37</a:t>
                       </a:r>
                     </a:p>
@@ -4844,7 +4756,7 @@
                     <a:p>
                       <a:pPr algn="ctr"/>
                       <a:r>
-                        <a:rPr lang="en-US" dirty="0"/>
+                        <a:rPr lang="en-US" b="1" dirty="0"/>
                         <a:t>97.21</a:t>
                       </a:r>
                     </a:p>
@@ -4858,7 +4770,7 @@
                     <a:p>
                       <a:pPr algn="ctr"/>
                       <a:r>
-                        <a:rPr lang="en-US" dirty="0"/>
+                        <a:rPr lang="en-US" b="1" dirty="0"/>
                         <a:t>97.23</a:t>
                       </a:r>
                     </a:p>
@@ -4872,7 +4784,7 @@
                     <a:p>
                       <a:pPr algn="ctr"/>
                       <a:r>
-                        <a:rPr lang="en-US" dirty="0"/>
+                        <a:rPr lang="en-US" b="1" dirty="0"/>
                         <a:t>97.97</a:t>
                       </a:r>
                     </a:p>
@@ -4886,7 +4798,7 @@
                     <a:p>
                       <a:pPr algn="ctr"/>
                       <a:r>
-                        <a:rPr lang="en-US" dirty="0"/>
+                        <a:rPr lang="en-US" b="1" dirty="0"/>
                         <a:t>97.90</a:t>
                       </a:r>
                     </a:p>
@@ -4900,7 +4812,7 @@
                     <a:p>
                       <a:pPr algn="ctr"/>
                       <a:r>
-                        <a:rPr lang="en-US" dirty="0"/>
+                        <a:rPr lang="en-US" b="1" dirty="0"/>
                         <a:t>97.91</a:t>
                       </a:r>
                     </a:p>
@@ -4914,7 +4826,7 @@
                     <a:p>
                       <a:pPr algn="ctr"/>
                       <a:r>
-                        <a:rPr lang="en-US" dirty="0"/>
+                        <a:rPr lang="en-US" b="1" dirty="0"/>
                         <a:t>99.38</a:t>
                       </a:r>
                     </a:p>
@@ -4928,7 +4840,7 @@
                     <a:p>
                       <a:pPr algn="ctr"/>
                       <a:r>
-                        <a:rPr lang="en-US" dirty="0"/>
+                        <a:rPr lang="en-US" b="1" dirty="0"/>
                         <a:t>99.35</a:t>
                       </a:r>
                     </a:p>
@@ -4942,7 +4854,7 @@
                     <a:p>
                       <a:pPr algn="ctr"/>
                       <a:r>
-                        <a:rPr lang="en-US" dirty="0"/>
+                        <a:rPr lang="en-US" b="1" dirty="0"/>
                         <a:t>99.36</a:t>
                       </a:r>
                     </a:p>
@@ -5004,7 +4916,7 @@
           <p:nvPr>
             <p:extLst>
               <p:ext uri="{D42A27DB-BD31-4B8C-83A1-F6EECF244321}">
-                <p14:modId xmlns:p14="http://schemas.microsoft.com/office/powerpoint/2010/main" val="3823553802"/>
+                <p14:modId xmlns:p14="http://schemas.microsoft.com/office/powerpoint/2010/main" val="1167857654"/>
               </p:ext>
             </p:extLst>
           </p:nvPr>
@@ -5494,95 +5406,122 @@
                     <a:lstStyle/>
                     <a:p>
                       <a:pPr algn="ctr"/>
-                      <a:endParaRPr lang="en-US" dirty="0"/>
-                    </a:p>
-                  </a:txBody>
-                  <a:tcPr anchor="ctr"/>
-                </a:tc>
-                <a:tc>
-                  <a:txBody>
-                    <a:bodyPr/>
-                    <a:lstStyle/>
-                    <a:p>
-                      <a:pPr algn="ctr"/>
-                      <a:endParaRPr lang="en-US" dirty="0"/>
-                    </a:p>
-                  </a:txBody>
-                  <a:tcPr anchor="ctr"/>
-                </a:tc>
-                <a:tc>
-                  <a:txBody>
-                    <a:bodyPr/>
-                    <a:lstStyle/>
-                    <a:p>
-                      <a:pPr algn="ctr"/>
-                      <a:endParaRPr lang="en-US"/>
-                    </a:p>
-                  </a:txBody>
-                  <a:tcPr anchor="ctr"/>
-                </a:tc>
-                <a:tc>
-                  <a:txBody>
-                    <a:bodyPr/>
-                    <a:lstStyle/>
-                    <a:p>
-                      <a:pPr algn="ctr"/>
-                      <a:endParaRPr lang="en-US" dirty="0"/>
-                    </a:p>
-                  </a:txBody>
-                  <a:tcPr anchor="ctr"/>
-                </a:tc>
-                <a:tc>
-                  <a:txBody>
-                    <a:bodyPr/>
-                    <a:lstStyle/>
-                    <a:p>
-                      <a:pPr algn="ctr"/>
-                      <a:endParaRPr lang="en-US"/>
-                    </a:p>
-                  </a:txBody>
-                  <a:tcPr anchor="ctr"/>
-                </a:tc>
-                <a:tc>
-                  <a:txBody>
-                    <a:bodyPr/>
-                    <a:lstStyle/>
-                    <a:p>
-                      <a:pPr algn="ctr"/>
-                      <a:endParaRPr lang="en-US"/>
-                    </a:p>
-                  </a:txBody>
-                  <a:tcPr anchor="ctr"/>
-                </a:tc>
-                <a:tc>
-                  <a:txBody>
-                    <a:bodyPr/>
-                    <a:lstStyle/>
-                    <a:p>
-                      <a:pPr algn="ctr"/>
-                      <a:endParaRPr lang="en-US"/>
-                    </a:p>
-                  </a:txBody>
-                  <a:tcPr anchor="ctr"/>
-                </a:tc>
-                <a:tc>
-                  <a:txBody>
-                    <a:bodyPr/>
-                    <a:lstStyle/>
-                    <a:p>
-                      <a:pPr algn="ctr"/>
-                      <a:endParaRPr lang="en-US"/>
-                    </a:p>
-                  </a:txBody>
-                  <a:tcPr anchor="ctr"/>
-                </a:tc>
-                <a:tc>
-                  <a:txBody>
-                    <a:bodyPr/>
-                    <a:lstStyle/>
-                    <a:p>
-                      <a:pPr algn="ctr"/>
-                      <a:endParaRPr lang="en-US"/>
+                      <a:r>
+                        <a:rPr lang="en-US" dirty="0"/>
+                        <a:t>41.02</a:t>
+                      </a:r>
+                    </a:p>
+                  </a:txBody>
+                  <a:tcPr anchor="ctr"/>
+                </a:tc>
+                <a:tc>
+                  <a:txBody>
+                    <a:bodyPr/>
+                    <a:lstStyle/>
+                    <a:p>
+                      <a:pPr algn="ctr"/>
+                      <a:r>
+                        <a:rPr lang="en-US" dirty="0"/>
+                        <a:t>40.19</a:t>
+                      </a:r>
+                    </a:p>
+                  </a:txBody>
+                  <a:tcPr anchor="ctr"/>
+                </a:tc>
+                <a:tc>
+                  <a:txBody>
+                    <a:bodyPr/>
+                    <a:lstStyle/>
+                    <a:p>
+                      <a:pPr algn="ctr"/>
+                      <a:r>
+                        <a:rPr lang="en-US" dirty="0"/>
+                        <a:t>38.64</a:t>
+                      </a:r>
+                    </a:p>
+                  </a:txBody>
+                  <a:tcPr anchor="ctr"/>
+                </a:tc>
+                <a:tc>
+                  <a:txBody>
+                    <a:bodyPr/>
+                    <a:lstStyle/>
+                    <a:p>
+                      <a:pPr algn="ctr"/>
+                      <a:r>
+                        <a:rPr lang="en-US" dirty="0"/>
+                        <a:t>57.76</a:t>
+                      </a:r>
+                    </a:p>
+                  </a:txBody>
+                  <a:tcPr anchor="ctr"/>
+                </a:tc>
+                <a:tc>
+                  <a:txBody>
+                    <a:bodyPr/>
+                    <a:lstStyle/>
+                    <a:p>
+                      <a:pPr algn="ctr"/>
+                      <a:r>
+                        <a:rPr lang="en-US" dirty="0"/>
+                        <a:t>55.08</a:t>
+                      </a:r>
+                    </a:p>
+                  </a:txBody>
+                  <a:tcPr anchor="ctr"/>
+                </a:tc>
+                <a:tc>
+                  <a:txBody>
+                    <a:bodyPr/>
+                    <a:lstStyle/>
+                    <a:p>
+                      <a:pPr algn="ctr"/>
+                      <a:r>
+                        <a:rPr lang="en-US" dirty="0"/>
+                        <a:t>54.25</a:t>
+                      </a:r>
+                    </a:p>
+                  </a:txBody>
+                  <a:tcPr anchor="ctr"/>
+                </a:tc>
+                <a:tc>
+                  <a:txBody>
+                    <a:bodyPr/>
+                    <a:lstStyle/>
+                    <a:p>
+                      <a:pPr algn="ctr"/>
+                      <a:r>
+                        <a:rPr lang="en-US" dirty="0"/>
+                        <a:t>62.21</a:t>
+                      </a:r>
+                    </a:p>
+                  </a:txBody>
+                  <a:tcPr anchor="ctr"/>
+                </a:tc>
+                <a:tc>
+                  <a:txBody>
+                    <a:bodyPr/>
+                    <a:lstStyle/>
+                    <a:p>
+                      <a:pPr algn="ctr"/>
+                      <a:r>
+                        <a:rPr lang="en-US" dirty="0"/>
+                        <a:t>59.10</a:t>
+                      </a:r>
+                    </a:p>
+                  </a:txBody>
+                  <a:tcPr anchor="ctr"/>
+                </a:tc>
+                <a:tc>
+                  <a:txBody>
+                    <a:bodyPr/>
+                    <a:lstStyle/>
+                    <a:p>
+                      <a:pPr algn="ctr"/>
+                      <a:r>
+                        <a:rPr lang="en-US" dirty="0"/>
+                        <a:t>59.60</a:t>
+                      </a:r>
                     </a:p>
                   </a:txBody>
                   <a:tcPr anchor="ctr"/>
@@ -5614,95 +5553,122 @@
                     <a:lstStyle/>
                     <a:p>
                       <a:pPr algn="ctr"/>
-                      <a:endParaRPr lang="en-US"/>
-                    </a:p>
-                  </a:txBody>
-                  <a:tcPr anchor="ctr"/>
-                </a:tc>
-                <a:tc>
-                  <a:txBody>
-                    <a:bodyPr/>
-                    <a:lstStyle/>
-                    <a:p>
-                      <a:pPr algn="ctr"/>
-                      <a:endParaRPr lang="en-US"/>
-                    </a:p>
-                  </a:txBody>
-                  <a:tcPr anchor="ctr"/>
-                </a:tc>
-                <a:tc>
-                  <a:txBody>
-                    <a:bodyPr/>
-                    <a:lstStyle/>
-                    <a:p>
-                      <a:pPr algn="ctr"/>
-                      <a:endParaRPr lang="en-US"/>
-                    </a:p>
-                  </a:txBody>
-                  <a:tcPr anchor="ctr"/>
-                </a:tc>
-                <a:tc>
-                  <a:txBody>
-                    <a:bodyPr/>
-                    <a:lstStyle/>
-                    <a:p>
-                      <a:pPr algn="ctr"/>
-                      <a:endParaRPr lang="en-US"/>
-                    </a:p>
-                  </a:txBody>
-                  <a:tcPr anchor="ctr"/>
-                </a:tc>
-                <a:tc>
-                  <a:txBody>
-                    <a:bodyPr/>
-                    <a:lstStyle/>
-                    <a:p>
-                      <a:pPr algn="ctr"/>
-                      <a:endParaRPr lang="en-US"/>
-                    </a:p>
-                  </a:txBody>
-                  <a:tcPr anchor="ctr"/>
-                </a:tc>
-                <a:tc>
-                  <a:txBody>
-                    <a:bodyPr/>
-                    <a:lstStyle/>
-                    <a:p>
-                      <a:pPr algn="ctr"/>
-                      <a:endParaRPr lang="en-US"/>
-                    </a:p>
-                  </a:txBody>
-                  <a:tcPr anchor="ctr"/>
-                </a:tc>
-                <a:tc>
-                  <a:txBody>
-                    <a:bodyPr/>
-                    <a:lstStyle/>
-                    <a:p>
-                      <a:pPr algn="ctr"/>
-                      <a:endParaRPr lang="en-US"/>
-                    </a:p>
-                  </a:txBody>
-                  <a:tcPr anchor="ctr"/>
-                </a:tc>
-                <a:tc>
-                  <a:txBody>
-                    <a:bodyPr/>
-                    <a:lstStyle/>
-                    <a:p>
-                      <a:pPr algn="ctr"/>
-                      <a:endParaRPr lang="en-US"/>
-                    </a:p>
-                  </a:txBody>
-                  <a:tcPr anchor="ctr"/>
-                </a:tc>
-                <a:tc>
-                  <a:txBody>
-                    <a:bodyPr/>
-                    <a:lstStyle/>
-                    <a:p>
-                      <a:pPr algn="ctr"/>
-                      <a:endParaRPr lang="en-US"/>
+                      <a:r>
+                        <a:rPr lang="en-US" dirty="0"/>
+                        <a:t>58.28</a:t>
+                      </a:r>
+                    </a:p>
+                  </a:txBody>
+                  <a:tcPr anchor="ctr"/>
+                </a:tc>
+                <a:tc>
+                  <a:txBody>
+                    <a:bodyPr/>
+                    <a:lstStyle/>
+                    <a:p>
+                      <a:pPr algn="ctr"/>
+                      <a:r>
+                        <a:rPr lang="en-US" dirty="0"/>
+                        <a:t>54.14</a:t>
+                      </a:r>
+                    </a:p>
+                  </a:txBody>
+                  <a:tcPr anchor="ctr"/>
+                </a:tc>
+                <a:tc>
+                  <a:txBody>
+                    <a:bodyPr/>
+                    <a:lstStyle/>
+                    <a:p>
+                      <a:pPr algn="ctr"/>
+                      <a:r>
+                        <a:rPr lang="en-US" dirty="0"/>
+                        <a:t>54.32</a:t>
+                      </a:r>
+                    </a:p>
+                  </a:txBody>
+                  <a:tcPr anchor="ctr"/>
+                </a:tc>
+                <a:tc>
+                  <a:txBody>
+                    <a:bodyPr/>
+                    <a:lstStyle/>
+                    <a:p>
+                      <a:pPr algn="ctr"/>
+                      <a:r>
+                        <a:rPr lang="en-US" dirty="0"/>
+                        <a:t>67.95</a:t>
+                      </a:r>
+                    </a:p>
+                  </a:txBody>
+                  <a:tcPr anchor="ctr"/>
+                </a:tc>
+                <a:tc>
+                  <a:txBody>
+                    <a:bodyPr/>
+                    <a:lstStyle/>
+                    <a:p>
+                      <a:pPr algn="ctr"/>
+                      <a:r>
+                        <a:rPr lang="en-US" dirty="0"/>
+                        <a:t>65.48</a:t>
+                      </a:r>
+                    </a:p>
+                  </a:txBody>
+                  <a:tcPr anchor="ctr"/>
+                </a:tc>
+                <a:tc>
+                  <a:txBody>
+                    <a:bodyPr/>
+                    <a:lstStyle/>
+                    <a:p>
+                      <a:pPr algn="ctr"/>
+                      <a:r>
+                        <a:rPr lang="en-US" dirty="0"/>
+                        <a:t>65.87</a:t>
+                      </a:r>
+                    </a:p>
+                  </a:txBody>
+                  <a:tcPr anchor="ctr"/>
+                </a:tc>
+                <a:tc>
+                  <a:txBody>
+                    <a:bodyPr/>
+                    <a:lstStyle/>
+                    <a:p>
+                      <a:pPr algn="ctr"/>
+                      <a:r>
+                        <a:rPr lang="en-US" dirty="0"/>
+                        <a:t>73.46</a:t>
+                      </a:r>
+                    </a:p>
+                  </a:txBody>
+                  <a:tcPr anchor="ctr"/>
+                </a:tc>
+                <a:tc>
+                  <a:txBody>
+                    <a:bodyPr/>
+                    <a:lstStyle/>
+                    <a:p>
+                      <a:pPr algn="ctr"/>
+                      <a:r>
+                        <a:rPr lang="en-US" dirty="0"/>
+                        <a:t>71.87</a:t>
+                      </a:r>
+                    </a:p>
+                  </a:txBody>
+                  <a:tcPr anchor="ctr"/>
+                </a:tc>
+                <a:tc>
+                  <a:txBody>
+                    <a:bodyPr/>
+                    <a:lstStyle/>
+                    <a:p>
+                      <a:pPr algn="ctr"/>
+                      <a:r>
+                        <a:rPr lang="en-US" dirty="0"/>
+                        <a:t>72.37</a:t>
+                      </a:r>
                     </a:p>
                   </a:txBody>
                   <a:tcPr anchor="ctr"/>
@@ -6367,7 +6333,7 @@
                     <a:p>
                       <a:pPr algn="ctr"/>
                       <a:r>
-                        <a:rPr lang="en-US" dirty="0"/>
+                        <a:rPr lang="en-US" b="1" dirty="0"/>
                         <a:t>73.54</a:t>
                       </a:r>
                     </a:p>
@@ -6473,7 +6439,7 @@
                     <a:p>
                       <a:pPr algn="ctr"/>
                       <a:r>
-                        <a:rPr lang="en-US" dirty="0"/>
+                        <a:rPr lang="en-US" b="1" dirty="0"/>
                         <a:t>62.15</a:t>
                       </a:r>
                     </a:p>
@@ -6487,7 +6453,7 @@
                     <a:p>
                       <a:pPr algn="ctr"/>
                       <a:r>
-                        <a:rPr lang="en-US" dirty="0"/>
+                        <a:rPr lang="en-US" b="1" dirty="0"/>
                         <a:t>58.39</a:t>
                       </a:r>
                     </a:p>
@@ -6501,7 +6467,7 @@
                     <a:p>
                       <a:pPr algn="ctr"/>
                       <a:r>
-                        <a:rPr lang="en-US" dirty="0"/>
+                        <a:rPr lang="en-US" b="1" dirty="0"/>
                         <a:t>58.95</a:t>
                       </a:r>
                     </a:p>
@@ -6529,7 +6495,7 @@
                     <a:p>
                       <a:pPr algn="ctr"/>
                       <a:r>
-                        <a:rPr lang="en-US" dirty="0"/>
+                        <a:rPr lang="en-US" b="1" dirty="0"/>
                         <a:t>69.03</a:t>
                       </a:r>
                     </a:p>
@@ -6543,7 +6509,7 @@
                     <a:p>
                       <a:pPr algn="ctr"/>
                       <a:r>
-                        <a:rPr lang="en-US" dirty="0"/>
+                        <a:rPr lang="en-US" b="1" dirty="0"/>
                         <a:t>69.49</a:t>
                       </a:r>
                     </a:p>
@@ -6557,7 +6523,7 @@
                     <a:p>
                       <a:pPr algn="ctr"/>
                       <a:r>
-                        <a:rPr lang="en-US" dirty="0"/>
+                        <a:rPr lang="en-US" b="1" dirty="0"/>
                         <a:t>78.51</a:t>
                       </a:r>
                     </a:p>
@@ -6571,7 +6537,7 @@
                     <a:p>
                       <a:pPr algn="ctr"/>
                       <a:r>
-                        <a:rPr lang="en-US" dirty="0"/>
+                        <a:rPr lang="en-US" b="1" dirty="0"/>
                         <a:t>78.25</a:t>
                       </a:r>
                     </a:p>
@@ -6585,7 +6551,7 @@
                     <a:p>
                       <a:pPr algn="ctr"/>
                       <a:r>
-                        <a:rPr lang="en-US" dirty="0"/>
+                        <a:rPr lang="en-US" b="1" dirty="0"/>
                         <a:t>78.30</a:t>
                       </a:r>
                     </a:p>
@@ -6647,7 +6613,7 @@
           <p:nvPr>
             <p:extLst>
               <p:ext uri="{D42A27DB-BD31-4B8C-83A1-F6EECF244321}">
-                <p14:modId xmlns:p14="http://schemas.microsoft.com/office/powerpoint/2010/main" val="449875133"/>
+                <p14:modId xmlns:p14="http://schemas.microsoft.com/office/powerpoint/2010/main" val="394243180"/>
               </p:ext>
             </p:extLst>
           </p:nvPr>
@@ -7136,95 +7102,122 @@
                     <a:lstStyle/>
                     <a:p>
                       <a:pPr algn="ctr"/>
-                      <a:endParaRPr lang="en-US" dirty="0"/>
-                    </a:p>
-                  </a:txBody>
-                  <a:tcPr anchor="ctr"/>
-                </a:tc>
-                <a:tc>
-                  <a:txBody>
-                    <a:bodyPr/>
-                    <a:lstStyle/>
-                    <a:p>
-                      <a:pPr algn="ctr"/>
-                      <a:endParaRPr lang="en-US" dirty="0"/>
-                    </a:p>
-                  </a:txBody>
-                  <a:tcPr anchor="ctr"/>
-                </a:tc>
-                <a:tc>
-                  <a:txBody>
-                    <a:bodyPr/>
-                    <a:lstStyle/>
-                    <a:p>
-                      <a:pPr algn="ctr"/>
-                      <a:endParaRPr lang="en-US"/>
-                    </a:p>
-                  </a:txBody>
-                  <a:tcPr anchor="ctr"/>
-                </a:tc>
-                <a:tc>
-                  <a:txBody>
-                    <a:bodyPr/>
-                    <a:lstStyle/>
-                    <a:p>
-                      <a:pPr algn="ctr"/>
-                      <a:endParaRPr lang="en-US" dirty="0"/>
-                    </a:p>
-                  </a:txBody>
-                  <a:tcPr anchor="ctr"/>
-                </a:tc>
-                <a:tc>
-                  <a:txBody>
-                    <a:bodyPr/>
-                    <a:lstStyle/>
-                    <a:p>
-                      <a:pPr algn="ctr"/>
-                      <a:endParaRPr lang="en-US"/>
-                    </a:p>
-                  </a:txBody>
-                  <a:tcPr anchor="ctr"/>
-                </a:tc>
-                <a:tc>
-                  <a:txBody>
-                    <a:bodyPr/>
-                    <a:lstStyle/>
-                    <a:p>
-                      <a:pPr algn="ctr"/>
-                      <a:endParaRPr lang="en-US"/>
-                    </a:p>
-                  </a:txBody>
-                  <a:tcPr anchor="ctr"/>
-                </a:tc>
-                <a:tc>
-                  <a:txBody>
-                    <a:bodyPr/>
-                    <a:lstStyle/>
-                    <a:p>
-                      <a:pPr algn="ctr"/>
-                      <a:endParaRPr lang="en-US"/>
-                    </a:p>
-                  </a:txBody>
-                  <a:tcPr anchor="ctr"/>
-                </a:tc>
-                <a:tc>
-                  <a:txBody>
-                    <a:bodyPr/>
-                    <a:lstStyle/>
-                    <a:p>
-                      <a:pPr algn="ctr"/>
-                      <a:endParaRPr lang="en-US"/>
-                    </a:p>
-                  </a:txBody>
-                  <a:tcPr anchor="ctr"/>
-                </a:tc>
-                <a:tc>
-                  <a:txBody>
-                    <a:bodyPr/>
-                    <a:lstStyle/>
-                    <a:p>
-                      <a:pPr algn="ctr"/>
-                      <a:endParaRPr lang="en-US"/>
+                      <a:r>
+                        <a:rPr lang="en-US" dirty="0"/>
+                        <a:t>67.62</a:t>
+                      </a:r>
+                    </a:p>
+                  </a:txBody>
+                  <a:tcPr anchor="ctr"/>
+                </a:tc>
+                <a:tc>
+                  <a:txBody>
+                    <a:bodyPr/>
+                    <a:lstStyle/>
+                    <a:p>
+                      <a:pPr algn="ctr"/>
+                      <a:r>
+                        <a:rPr lang="en-US" dirty="0"/>
+                        <a:t>42.74</a:t>
+                      </a:r>
+                    </a:p>
+                  </a:txBody>
+                  <a:tcPr anchor="ctr"/>
+                </a:tc>
+                <a:tc>
+                  <a:txBody>
+                    <a:bodyPr/>
+                    <a:lstStyle/>
+                    <a:p>
+                      <a:pPr algn="ctr"/>
+                      <a:r>
+                        <a:rPr lang="en-US" dirty="0"/>
+                        <a:t>46.04</a:t>
+                      </a:r>
+                    </a:p>
+                  </a:txBody>
+                  <a:tcPr anchor="ctr"/>
+                </a:tc>
+                <a:tc>
+                  <a:txBody>
+                    <a:bodyPr/>
+                    <a:lstStyle/>
+                    <a:p>
+                      <a:pPr algn="ctr"/>
+                      <a:r>
+                        <a:rPr lang="en-US" dirty="0"/>
+                        <a:t>71.57</a:t>
+                      </a:r>
+                    </a:p>
+                  </a:txBody>
+                  <a:tcPr anchor="ctr"/>
+                </a:tc>
+                <a:tc>
+                  <a:txBody>
+                    <a:bodyPr/>
+                    <a:lstStyle/>
+                    <a:p>
+                      <a:pPr algn="ctr"/>
+                      <a:r>
+                        <a:rPr lang="en-US" dirty="0"/>
+                        <a:t>53.69</a:t>
+                      </a:r>
+                    </a:p>
+                  </a:txBody>
+                  <a:tcPr anchor="ctr"/>
+                </a:tc>
+                <a:tc>
+                  <a:txBody>
+                    <a:bodyPr/>
+                    <a:lstStyle/>
+                    <a:p>
+                      <a:pPr algn="ctr"/>
+                      <a:r>
+                        <a:rPr lang="en-US" dirty="0"/>
+                        <a:t>56.25</a:t>
+                      </a:r>
+                    </a:p>
+                  </a:txBody>
+                  <a:tcPr anchor="ctr"/>
+                </a:tc>
+                <a:tc>
+                  <a:txBody>
+                    <a:bodyPr/>
+                    <a:lstStyle/>
+                    <a:p>
+                      <a:pPr algn="ctr"/>
+                      <a:r>
+                        <a:rPr lang="en-US" dirty="0"/>
+                        <a:t>72.56</a:t>
+                      </a:r>
+                    </a:p>
+                  </a:txBody>
+                  <a:tcPr anchor="ctr"/>
+                </a:tc>
+                <a:tc>
+                  <a:txBody>
+                    <a:bodyPr/>
+                    <a:lstStyle/>
+                    <a:p>
+                      <a:pPr algn="ctr"/>
+                      <a:r>
+                        <a:rPr lang="en-US" dirty="0"/>
+                        <a:t>50.00</a:t>
+                      </a:r>
+                    </a:p>
+                  </a:txBody>
+                  <a:tcPr anchor="ctr"/>
+                </a:tc>
+                <a:tc>
+                  <a:txBody>
+                    <a:bodyPr/>
+                    <a:lstStyle/>
+                    <a:p>
+                      <a:pPr algn="ctr"/>
+                      <a:r>
+                        <a:rPr lang="en-US" dirty="0"/>
+                        <a:t>52.29</a:t>
+                      </a:r>
                     </a:p>
                   </a:txBody>
                   <a:tcPr anchor="ctr"/>
@@ -7256,95 +7249,122 @@
                     <a:lstStyle/>
                     <a:p>
                       <a:pPr algn="ctr"/>
-                      <a:endParaRPr lang="en-US"/>
-                    </a:p>
-                  </a:txBody>
-                  <a:tcPr anchor="ctr"/>
-                </a:tc>
-                <a:tc>
-                  <a:txBody>
-                    <a:bodyPr/>
-                    <a:lstStyle/>
-                    <a:p>
-                      <a:pPr algn="ctr"/>
-                      <a:endParaRPr lang="en-US"/>
-                    </a:p>
-                  </a:txBody>
-                  <a:tcPr anchor="ctr"/>
-                </a:tc>
-                <a:tc>
-                  <a:txBody>
-                    <a:bodyPr/>
-                    <a:lstStyle/>
-                    <a:p>
-                      <a:pPr algn="ctr"/>
-                      <a:endParaRPr lang="en-US"/>
-                    </a:p>
-                  </a:txBody>
-                  <a:tcPr anchor="ctr"/>
-                </a:tc>
-                <a:tc>
-                  <a:txBody>
-                    <a:bodyPr/>
-                    <a:lstStyle/>
-                    <a:p>
-                      <a:pPr algn="ctr"/>
-                      <a:endParaRPr lang="en-US"/>
-                    </a:p>
-                  </a:txBody>
-                  <a:tcPr anchor="ctr"/>
-                </a:tc>
-                <a:tc>
-                  <a:txBody>
-                    <a:bodyPr/>
-                    <a:lstStyle/>
-                    <a:p>
-                      <a:pPr algn="ctr"/>
-                      <a:endParaRPr lang="en-US"/>
-                    </a:p>
-                  </a:txBody>
-                  <a:tcPr anchor="ctr"/>
-                </a:tc>
-                <a:tc>
-                  <a:txBody>
-                    <a:bodyPr/>
-                    <a:lstStyle/>
-                    <a:p>
-                      <a:pPr algn="ctr"/>
-                      <a:endParaRPr lang="en-US" dirty="0"/>
-                    </a:p>
-                  </a:txBody>
-                  <a:tcPr anchor="ctr"/>
-                </a:tc>
-                <a:tc>
-                  <a:txBody>
-                    <a:bodyPr/>
-                    <a:lstStyle/>
-                    <a:p>
-                      <a:pPr algn="ctr"/>
-                      <a:endParaRPr lang="en-US"/>
-                    </a:p>
-                  </a:txBody>
-                  <a:tcPr anchor="ctr"/>
-                </a:tc>
-                <a:tc>
-                  <a:txBody>
-                    <a:bodyPr/>
-                    <a:lstStyle/>
-                    <a:p>
-                      <a:pPr algn="ctr"/>
-                      <a:endParaRPr lang="en-US"/>
-                    </a:p>
-                  </a:txBody>
-                  <a:tcPr anchor="ctr"/>
-                </a:tc>
-                <a:tc>
-                  <a:txBody>
-                    <a:bodyPr/>
-                    <a:lstStyle/>
-                    <a:p>
-                      <a:pPr algn="ctr"/>
-                      <a:endParaRPr lang="en-US"/>
+                      <a:r>
+                        <a:rPr lang="en-US" dirty="0"/>
+                        <a:t>72.60</a:t>
+                      </a:r>
+                    </a:p>
+                  </a:txBody>
+                  <a:tcPr anchor="ctr"/>
+                </a:tc>
+                <a:tc>
+                  <a:txBody>
+                    <a:bodyPr/>
+                    <a:lstStyle/>
+                    <a:p>
+                      <a:pPr algn="ctr"/>
+                      <a:r>
+                        <a:rPr lang="en-US" dirty="0"/>
+                        <a:t>51.15</a:t>
+                      </a:r>
+                    </a:p>
+                  </a:txBody>
+                  <a:tcPr anchor="ctr"/>
+                </a:tc>
+                <a:tc>
+                  <a:txBody>
+                    <a:bodyPr/>
+                    <a:lstStyle/>
+                    <a:p>
+                      <a:pPr algn="ctr"/>
+                      <a:r>
+                        <a:rPr lang="en-US" dirty="0"/>
+                        <a:t>54.08</a:t>
+                      </a:r>
+                    </a:p>
+                  </a:txBody>
+                  <a:tcPr anchor="ctr"/>
+                </a:tc>
+                <a:tc>
+                  <a:txBody>
+                    <a:bodyPr/>
+                    <a:lstStyle/>
+                    <a:p>
+                      <a:pPr algn="ctr"/>
+                      <a:r>
+                        <a:rPr lang="en-US" dirty="0"/>
+                        <a:t>77.26</a:t>
+                      </a:r>
+                    </a:p>
+                  </a:txBody>
+                  <a:tcPr anchor="ctr"/>
+                </a:tc>
+                <a:tc>
+                  <a:txBody>
+                    <a:bodyPr/>
+                    <a:lstStyle/>
+                    <a:p>
+                      <a:pPr algn="ctr"/>
+                      <a:r>
+                        <a:rPr lang="en-US" dirty="0"/>
+                        <a:t>62.56</a:t>
+                      </a:r>
+                    </a:p>
+                  </a:txBody>
+                  <a:tcPr anchor="ctr"/>
+                </a:tc>
+                <a:tc>
+                  <a:txBody>
+                    <a:bodyPr/>
+                    <a:lstStyle/>
+                    <a:p>
+                      <a:pPr algn="ctr"/>
+                      <a:r>
+                        <a:rPr lang="en-US" dirty="0"/>
+                        <a:t>64.75</a:t>
+                      </a:r>
+                    </a:p>
+                  </a:txBody>
+                  <a:tcPr anchor="ctr"/>
+                </a:tc>
+                <a:tc>
+                  <a:txBody>
+                    <a:bodyPr/>
+                    <a:lstStyle/>
+                    <a:p>
+                      <a:pPr algn="ctr"/>
+                      <a:r>
+                        <a:rPr lang="en-US" dirty="0"/>
+                        <a:t>79.71</a:t>
+                      </a:r>
+                    </a:p>
+                  </a:txBody>
+                  <a:tcPr anchor="ctr"/>
+                </a:tc>
+                <a:tc>
+                  <a:txBody>
+                    <a:bodyPr/>
+                    <a:lstStyle/>
+                    <a:p>
+                      <a:pPr algn="ctr"/>
+                      <a:r>
+                        <a:rPr lang="en-US" dirty="0"/>
+                        <a:t>63.82</a:t>
+                      </a:r>
+                    </a:p>
+                  </a:txBody>
+                  <a:tcPr anchor="ctr"/>
+                </a:tc>
+                <a:tc>
+                  <a:txBody>
+                    <a:bodyPr/>
+                    <a:lstStyle/>
+                    <a:p>
+                      <a:pPr algn="ctr"/>
+                      <a:r>
+                        <a:rPr lang="en-US" dirty="0"/>
+                        <a:t>66.04</a:t>
+                      </a:r>
                     </a:p>
                   </a:txBody>
                   <a:tcPr anchor="ctr"/>
@@ -7391,7 +7411,7 @@
                     <a:p>
                       <a:pPr algn="ctr"/>
                       <a:r>
-                        <a:rPr lang="en-US" dirty="0"/>
+                        <a:rPr lang="en-US" b="1" dirty="0"/>
                         <a:t>62.90</a:t>
                       </a:r>
                     </a:p>
@@ -7405,7 +7425,7 @@
                     <a:p>
                       <a:pPr algn="ctr"/>
                       <a:r>
-                        <a:rPr lang="en-US" dirty="0"/>
+                        <a:rPr lang="en-US" b="1" dirty="0"/>
                         <a:t>65.85</a:t>
                       </a:r>
                     </a:p>
@@ -8115,7 +8135,7 @@
                     <a:p>
                       <a:pPr algn="ctr"/>
                       <a:r>
-                        <a:rPr lang="en-US" dirty="0"/>
+                        <a:rPr lang="en-US" b="1" dirty="0"/>
                         <a:t>77.33</a:t>
                       </a:r>
                     </a:p>
@@ -8157,7 +8177,7 @@
                     <a:p>
                       <a:pPr algn="ctr"/>
                       <a:r>
-                        <a:rPr lang="en-US" dirty="0"/>
+                        <a:rPr lang="en-US" b="1" dirty="0"/>
                         <a:t>79.72</a:t>
                       </a:r>
                     </a:p>
@@ -8171,7 +8191,7 @@
                     <a:p>
                       <a:pPr algn="ctr"/>
                       <a:r>
-                        <a:rPr lang="en-US" dirty="0"/>
+                        <a:rPr lang="en-US" b="1" dirty="0"/>
                         <a:t>70.16</a:t>
                       </a:r>
                     </a:p>
@@ -8185,7 +8205,7 @@
                     <a:p>
                       <a:pPr algn="ctr"/>
                       <a:r>
-                        <a:rPr lang="en-US" dirty="0"/>
+                        <a:rPr lang="en-US" b="1" dirty="0"/>
                         <a:t>71.88</a:t>
                       </a:r>
                     </a:p>
@@ -8199,7 +8219,7 @@
                     <a:p>
                       <a:pPr algn="ctr"/>
                       <a:r>
-                        <a:rPr lang="en-US" dirty="0"/>
+                        <a:rPr lang="en-US" b="1" dirty="0"/>
                         <a:t>81.84</a:t>
                       </a:r>
                     </a:p>
@@ -8213,7 +8233,7 @@
                     <a:p>
                       <a:pPr algn="ctr"/>
                       <a:r>
-                        <a:rPr lang="en-US" dirty="0"/>
+                        <a:rPr lang="en-US" b="1" dirty="0"/>
                         <a:t>74.65</a:t>
                       </a:r>
                     </a:p>
@@ -8227,7 +8247,7 @@
                     <a:p>
                       <a:pPr algn="ctr"/>
                       <a:r>
-                        <a:rPr lang="en-US" dirty="0"/>
+                        <a:rPr lang="en-US" b="1" dirty="0"/>
                         <a:t>76.12</a:t>
                       </a:r>
                     </a:p>
